--- a/slides/ActionInteraction.pptx
+++ b/slides/ActionInteraction.pptx
@@ -5,10 +5,10 @@
     <p:sldMasterId id="2147483648" r:id="rId1"/>
   </p:sldMasterIdLst>
   <p:notesMasterIdLst>
-    <p:notesMasterId r:id="rId27"/>
+    <p:notesMasterId r:id="rId26"/>
   </p:notesMasterIdLst>
   <p:handoutMasterIdLst>
-    <p:handoutMasterId r:id="rId28"/>
+    <p:handoutMasterId r:id="rId27"/>
   </p:handoutMasterIdLst>
   <p:sldIdLst>
     <p:sldId id="283" r:id="rId2"/>
@@ -18,24 +18,23 @@
     <p:sldId id="322" r:id="rId6"/>
     <p:sldId id="323" r:id="rId7"/>
     <p:sldId id="324" r:id="rId8"/>
-    <p:sldId id="325" r:id="rId9"/>
-    <p:sldId id="326" r:id="rId10"/>
-    <p:sldId id="327" r:id="rId11"/>
-    <p:sldId id="328" r:id="rId12"/>
-    <p:sldId id="329" r:id="rId13"/>
-    <p:sldId id="330" r:id="rId14"/>
-    <p:sldId id="331" r:id="rId15"/>
-    <p:sldId id="333" r:id="rId16"/>
-    <p:sldId id="334" r:id="rId17"/>
-    <p:sldId id="332" r:id="rId18"/>
-    <p:sldId id="335" r:id="rId19"/>
-    <p:sldId id="336" r:id="rId20"/>
-    <p:sldId id="337" r:id="rId21"/>
-    <p:sldId id="338" r:id="rId22"/>
-    <p:sldId id="339" r:id="rId23"/>
-    <p:sldId id="340" r:id="rId24"/>
-    <p:sldId id="341" r:id="rId25"/>
-    <p:sldId id="342" r:id="rId26"/>
+    <p:sldId id="326" r:id="rId9"/>
+    <p:sldId id="327" r:id="rId10"/>
+    <p:sldId id="328" r:id="rId11"/>
+    <p:sldId id="329" r:id="rId12"/>
+    <p:sldId id="330" r:id="rId13"/>
+    <p:sldId id="331" r:id="rId14"/>
+    <p:sldId id="333" r:id="rId15"/>
+    <p:sldId id="334" r:id="rId16"/>
+    <p:sldId id="332" r:id="rId17"/>
+    <p:sldId id="335" r:id="rId18"/>
+    <p:sldId id="336" r:id="rId19"/>
+    <p:sldId id="337" r:id="rId20"/>
+    <p:sldId id="338" r:id="rId21"/>
+    <p:sldId id="339" r:id="rId22"/>
+    <p:sldId id="340" r:id="rId23"/>
+    <p:sldId id="341" r:id="rId24"/>
+    <p:sldId id="342" r:id="rId25"/>
   </p:sldIdLst>
   <p:sldSz cx="9144000" cy="6858000" type="screen4x3"/>
   <p:notesSz cx="7099300" cy="9385300"/>
@@ -4076,81 +4075,36 @@
           <a:p>
             <a:r>
               <a:rPr lang="en-US" dirty="0"/>
-              <a:t>Designing Actions</a:t>
-            </a:r>
-          </a:p>
-        </p:txBody>
-      </p:sp>
-      <p:sp>
-        <p:nvSpPr>
-          <p:cNvPr id="3" name="Content Placeholder 2"/>
-          <p:cNvSpPr>
-            <a:spLocks noGrp="1"/>
-          </p:cNvSpPr>
+              <a:t>OMG So Many VERBS!</a:t>
+            </a:r>
+          </a:p>
+        </p:txBody>
+      </p:sp>
+      <p:pic>
+        <p:nvPicPr>
+          <p:cNvPr id="5" name="Content Placeholder 4" descr="152005-megastryke.jpg"/>
+          <p:cNvPicPr>
+            <a:picLocks noGrp="1" noChangeAspect="1"/>
+          </p:cNvPicPr>
           <p:nvPr>
             <p:ph idx="1"/>
           </p:nvPr>
-        </p:nvSpPr>
+        </p:nvPicPr>
+        <p:blipFill>
+          <a:blip r:embed="rId2">
+            <a:extLst>
+              <a:ext uri="{28A0092B-C50C-407E-A947-70E740481C1C}">
+                <a14:useLocalDpi xmlns:a14="http://schemas.microsoft.com/office/drawing/2010/main" val="0"/>
+              </a:ext>
+            </a:extLst>
+          </a:blip>
+          <a:srcRect l="2233" r="2233"/>
+          <a:stretch>
+            <a:fillRect/>
+          </a:stretch>
+        </p:blipFill>
         <p:spPr/>
-        <p:txBody>
-          <a:bodyPr/>
-          <a:lstStyle/>
-          <a:p>
-            <a:r>
-              <a:rPr lang="en-US" dirty="0"/>
-              <a:t>Start by brainstorming verbs that make sense in the world you are building</a:t>
-            </a:r>
-          </a:p>
-          <a:p>
-            <a:pPr lvl="1"/>
-            <a:r>
-              <a:rPr lang="en-US" dirty="0"/>
-              <a:t>Define the types of verbs</a:t>
-            </a:r>
-          </a:p>
-          <a:p>
-            <a:pPr lvl="1"/>
-            <a:r>
-              <a:rPr lang="en-US" dirty="0"/>
-              <a:t>Define the scope of the verbs</a:t>
-            </a:r>
-          </a:p>
-          <a:p>
-            <a:r>
-              <a:rPr lang="en-US" dirty="0"/>
-              <a:t>Do the verbs </a:t>
-            </a:r>
-            <a:r>
-              <a:rPr lang="en-US" i="1" dirty="0"/>
-              <a:t>directly</a:t>
-            </a:r>
-            <a:r>
-              <a:rPr lang="en-US" dirty="0"/>
-              <a:t> help the player achieve the goal?</a:t>
-            </a:r>
-          </a:p>
-          <a:p>
-            <a:r>
-              <a:rPr lang="en-US" dirty="0"/>
-              <a:t>How many verbs do I need?</a:t>
-            </a:r>
-          </a:p>
-          <a:p>
-            <a:pPr lvl="1"/>
-            <a:r>
-              <a:rPr lang="en-US" dirty="0"/>
-              <a:t>Well, enough to avoid being too simple</a:t>
-            </a:r>
-          </a:p>
-          <a:p>
-            <a:pPr lvl="1"/>
-            <a:r>
-              <a:rPr lang="en-US" dirty="0"/>
-              <a:t>And…</a:t>
-            </a:r>
-          </a:p>
-        </p:txBody>
-      </p:sp>
+      </p:pic>
       <p:sp>
         <p:nvSpPr>
           <p:cNvPr id="4" name="Footer Placeholder 3"/>
@@ -4178,7 +4132,7 @@
     </p:spTree>
     <p:extLst>
       <p:ext uri="{BB962C8B-B14F-4D97-AF65-F5344CB8AC3E}">
-        <p14:creationId xmlns:p14="http://schemas.microsoft.com/office/powerpoint/2010/main" val="3469709803"/>
+        <p14:creationId xmlns:p14="http://schemas.microsoft.com/office/powerpoint/2010/main" val="2788495868"/>
       </p:ext>
     </p:extLst>
   </p:cSld>
@@ -4222,36 +4176,44 @@
           <a:p>
             <a:r>
               <a:rPr lang="en-US" dirty="0"/>
-              <a:t>OMG So Many VERBS!</a:t>
-            </a:r>
-          </a:p>
-        </p:txBody>
-      </p:sp>
-      <p:pic>
-        <p:nvPicPr>
-          <p:cNvPr id="5" name="Content Placeholder 4" descr="152005-megastryke.jpg"/>
-          <p:cNvPicPr>
-            <a:picLocks noGrp="1" noChangeAspect="1"/>
-          </p:cNvPicPr>
+              <a:t>Primary vs. Secondary Verbs</a:t>
+            </a:r>
+          </a:p>
+        </p:txBody>
+      </p:sp>
+      <p:sp>
+        <p:nvSpPr>
+          <p:cNvPr id="3" name="Content Placeholder 2"/>
+          <p:cNvSpPr>
+            <a:spLocks noGrp="1"/>
+          </p:cNvSpPr>
           <p:nvPr>
             <p:ph idx="1"/>
           </p:nvPr>
-        </p:nvPicPr>
-        <p:blipFill>
-          <a:blip r:embed="rId2">
-            <a:extLst>
-              <a:ext uri="{28A0092B-C50C-407E-A947-70E740481C1C}">
-                <a14:useLocalDpi xmlns:a14="http://schemas.microsoft.com/office/drawing/2010/main" val="0"/>
-              </a:ext>
-            </a:extLst>
-          </a:blip>
-          <a:srcRect l="2233" r="2233"/>
-          <a:stretch>
-            <a:fillRect/>
-          </a:stretch>
-        </p:blipFill>
+        </p:nvSpPr>
         <p:spPr/>
-      </p:pic>
+        <p:txBody>
+          <a:bodyPr/>
+          <a:lstStyle/>
+          <a:p>
+            <a:r>
+              <a:rPr lang="en-US" dirty="0"/>
+              <a:t>Imagine you had no obstacles or challenges in a game… what verbs would you actually </a:t>
+            </a:r>
+            <a:r>
+              <a:rPr lang="en-US" i="1" dirty="0"/>
+              <a:t>need</a:t>
+            </a:r>
+            <a:r>
+              <a:rPr lang="en-US" dirty="0"/>
+              <a:t>?</a:t>
+            </a:r>
+          </a:p>
+          <a:p>
+            <a:endParaRPr lang="en-US" dirty="0"/>
+          </a:p>
+        </p:txBody>
+      </p:sp>
       <p:sp>
         <p:nvSpPr>
           <p:cNvPr id="4" name="Footer Placeholder 3"/>
@@ -4271,115 +4233,6 @@
               <a:rPr lang="en-US" altLang="zh-CN" smtClean="0"/>
               <a:pPr/>
               <a:t>11</a:t>
-            </a:fld>
-            <a:endParaRPr lang="en-US" altLang="zh-CN"/>
-          </a:p>
-        </p:txBody>
-      </p:sp>
-    </p:spTree>
-    <p:extLst>
-      <p:ext uri="{BB962C8B-B14F-4D97-AF65-F5344CB8AC3E}">
-        <p14:creationId xmlns:p14="http://schemas.microsoft.com/office/powerpoint/2010/main" val="2788495868"/>
-      </p:ext>
-    </p:extLst>
-  </p:cSld>
-  <p:clrMapOvr>
-    <a:masterClrMapping/>
-  </p:clrMapOvr>
-</p:sld>
-</file>
-
-<file path=ppt/slides/slide12.xml><?xml version="1.0" encoding="utf-8"?>
-<p:sld xmlns:a="http://schemas.openxmlformats.org/drawingml/2006/main" xmlns:r="http://schemas.openxmlformats.org/officeDocument/2006/relationships" xmlns:p="http://schemas.openxmlformats.org/presentationml/2006/main">
-  <p:cSld>
-    <p:spTree>
-      <p:nvGrpSpPr>
-        <p:cNvPr id="1" name=""/>
-        <p:cNvGrpSpPr/>
-        <p:nvPr/>
-      </p:nvGrpSpPr>
-      <p:grpSpPr>
-        <a:xfrm>
-          <a:off x="0" y="0"/>
-          <a:ext cx="0" cy="0"/>
-          <a:chOff x="0" y="0"/>
-          <a:chExt cx="0" cy="0"/>
-        </a:xfrm>
-      </p:grpSpPr>
-      <p:sp>
-        <p:nvSpPr>
-          <p:cNvPr id="2" name="Title 1"/>
-          <p:cNvSpPr>
-            <a:spLocks noGrp="1"/>
-          </p:cNvSpPr>
-          <p:nvPr>
-            <p:ph type="title"/>
-          </p:nvPr>
-        </p:nvSpPr>
-        <p:spPr/>
-        <p:txBody>
-          <a:bodyPr/>
-          <a:lstStyle/>
-          <a:p>
-            <a:r>
-              <a:rPr lang="en-US" dirty="0"/>
-              <a:t>Primary vs. Secondary Verbs</a:t>
-            </a:r>
-          </a:p>
-        </p:txBody>
-      </p:sp>
-      <p:sp>
-        <p:nvSpPr>
-          <p:cNvPr id="3" name="Content Placeholder 2"/>
-          <p:cNvSpPr>
-            <a:spLocks noGrp="1"/>
-          </p:cNvSpPr>
-          <p:nvPr>
-            <p:ph idx="1"/>
-          </p:nvPr>
-        </p:nvSpPr>
-        <p:spPr/>
-        <p:txBody>
-          <a:bodyPr/>
-          <a:lstStyle/>
-          <a:p>
-            <a:r>
-              <a:rPr lang="en-US" dirty="0"/>
-              <a:t>Imagine you had no obstacles or challenges in a game… what verbs would you actually </a:t>
-            </a:r>
-            <a:r>
-              <a:rPr lang="en-US" i="1" dirty="0"/>
-              <a:t>need</a:t>
-            </a:r>
-            <a:r>
-              <a:rPr lang="en-US" dirty="0"/>
-              <a:t>?</a:t>
-            </a:r>
-          </a:p>
-          <a:p>
-            <a:endParaRPr lang="en-US" dirty="0"/>
-          </a:p>
-        </p:txBody>
-      </p:sp>
-      <p:sp>
-        <p:nvSpPr>
-          <p:cNvPr id="4" name="Footer Placeholder 3"/>
-          <p:cNvSpPr>
-            <a:spLocks noGrp="1"/>
-          </p:cNvSpPr>
-          <p:nvPr>
-            <p:ph type="ftr" sz="quarter" idx="10"/>
-          </p:nvPr>
-        </p:nvSpPr>
-        <p:spPr/>
-        <p:txBody>
-          <a:bodyPr/>
-          <a:lstStyle/>
-          <a:p>
-            <a:fld id="{D0357299-C40C-42AB-B0C0-2E6E0A5A7F61}" type="slidenum">
-              <a:rPr lang="en-US" altLang="zh-CN" smtClean="0"/>
-              <a:pPr/>
-              <a:t>12</a:t>
             </a:fld>
             <a:endParaRPr lang="en-US" altLang="zh-CN"/>
           </a:p>
@@ -4428,7 +4281,7 @@
 </p:sld>
 </file>
 
-<file path=ppt/slides/slide13.xml><?xml version="1.0" encoding="utf-8"?>
+<file path=ppt/slides/slide12.xml><?xml version="1.0" encoding="utf-8"?>
 <p:sld xmlns:a="http://schemas.openxmlformats.org/drawingml/2006/main" xmlns:r="http://schemas.openxmlformats.org/officeDocument/2006/relationships" xmlns:p="http://schemas.openxmlformats.org/presentationml/2006/main">
   <p:cSld>
     <p:spTree>
@@ -4518,7 +4371,7 @@
             <a:fld id="{D0357299-C40C-42AB-B0C0-2E6E0A5A7F61}" type="slidenum">
               <a:rPr lang="en-US" altLang="zh-CN" smtClean="0"/>
               <a:pPr/>
-              <a:t>13</a:t>
+              <a:t>12</a:t>
             </a:fld>
             <a:endParaRPr lang="en-US" altLang="zh-CN"/>
           </a:p>
@@ -4654,6 +4507,104 @@
 </p:sld>
 </file>
 
+<file path=ppt/slides/slide13.xml><?xml version="1.0" encoding="utf-8"?>
+<p:sld xmlns:a="http://schemas.openxmlformats.org/drawingml/2006/main" xmlns:r="http://schemas.openxmlformats.org/officeDocument/2006/relationships" xmlns:p="http://schemas.openxmlformats.org/presentationml/2006/main">
+  <p:cSld>
+    <p:spTree>
+      <p:nvGrpSpPr>
+        <p:cNvPr id="1" name=""/>
+        <p:cNvGrpSpPr/>
+        <p:nvPr/>
+      </p:nvGrpSpPr>
+      <p:grpSpPr>
+        <a:xfrm>
+          <a:off x="0" y="0"/>
+          <a:ext cx="0" cy="0"/>
+          <a:chOff x="0" y="0"/>
+          <a:chExt cx="0" cy="0"/>
+        </a:xfrm>
+      </p:grpSpPr>
+      <p:sp>
+        <p:nvSpPr>
+          <p:cNvPr id="2" name="Title 1"/>
+          <p:cNvSpPr>
+            <a:spLocks noGrp="1"/>
+          </p:cNvSpPr>
+          <p:nvPr>
+            <p:ph type="title"/>
+          </p:nvPr>
+        </p:nvSpPr>
+        <p:spPr/>
+        <p:txBody>
+          <a:bodyPr/>
+          <a:lstStyle/>
+          <a:p>
+            <a:r>
+              <a:rPr lang="en-US" dirty="0"/>
+              <a:t>Verb Analysis</a:t>
+            </a:r>
+          </a:p>
+        </p:txBody>
+      </p:sp>
+      <p:sp>
+        <p:nvSpPr>
+          <p:cNvPr id="3" name="Content Placeholder 2"/>
+          <p:cNvSpPr>
+            <a:spLocks noGrp="1"/>
+          </p:cNvSpPr>
+          <p:nvPr>
+            <p:ph idx="1"/>
+          </p:nvPr>
+        </p:nvSpPr>
+        <p:spPr/>
+        <p:txBody>
+          <a:bodyPr/>
+          <a:lstStyle/>
+          <a:p>
+            <a:r>
+              <a:rPr lang="en-US" dirty="0"/>
+              <a:t>Pick a game; find the verbs</a:t>
+            </a:r>
+          </a:p>
+        </p:txBody>
+      </p:sp>
+      <p:sp>
+        <p:nvSpPr>
+          <p:cNvPr id="4" name="Footer Placeholder 3"/>
+          <p:cNvSpPr>
+            <a:spLocks noGrp="1"/>
+          </p:cNvSpPr>
+          <p:nvPr>
+            <p:ph type="ftr" sz="quarter" idx="10"/>
+          </p:nvPr>
+        </p:nvSpPr>
+        <p:spPr/>
+        <p:txBody>
+          <a:bodyPr/>
+          <a:lstStyle/>
+          <a:p>
+            <a:fld id="{D0357299-C40C-42AB-B0C0-2E6E0A5A7F61}" type="slidenum">
+              <a:rPr lang="en-US" altLang="zh-CN" smtClean="0"/>
+              <a:pPr/>
+              <a:t>13</a:t>
+            </a:fld>
+            <a:endParaRPr lang="en-US" altLang="zh-CN"/>
+          </a:p>
+        </p:txBody>
+      </p:sp>
+    </p:spTree>
+    <p:extLst>
+      <p:ext uri="{BB962C8B-B14F-4D97-AF65-F5344CB8AC3E}">
+        <p14:creationId xmlns:p14="http://schemas.microsoft.com/office/powerpoint/2010/main" val="1841765842"/>
+      </p:ext>
+    </p:extLst>
+  </p:cSld>
+  <p:clrMapOvr>
+    <a:masterClrMapping/>
+  </p:clrMapOvr>
+</p:sld>
+</file>
+
 <file path=ppt/slides/slide14.xml><?xml version="1.0" encoding="utf-8"?>
 <p:sld xmlns:a="http://schemas.openxmlformats.org/drawingml/2006/main" xmlns:r="http://schemas.openxmlformats.org/officeDocument/2006/relationships" xmlns:p="http://schemas.openxmlformats.org/presentationml/2006/main">
   <p:cSld>
@@ -4688,7 +4639,7 @@
           <a:p>
             <a:r>
               <a:rPr lang="en-US" dirty="0"/>
-              <a:t>Verb Analysis</a:t>
+              <a:t>Finding Good Verbs</a:t>
             </a:r>
           </a:p>
         </p:txBody>
@@ -4710,7 +4661,45 @@
           <a:p>
             <a:r>
               <a:rPr lang="en-US" dirty="0"/>
-              <a:t>Pick a game; find the verbs</a:t>
+              <a:t>Keep number of verbs to minimum; utilize interesting interactions</a:t>
+            </a:r>
+          </a:p>
+          <a:p>
+            <a:r>
+              <a:rPr lang="en-US" dirty="0"/>
+              <a:t>Avoid verb proxies</a:t>
+            </a:r>
+          </a:p>
+          <a:p>
+            <a:pPr lvl="1"/>
+            <a:r>
+              <a:rPr lang="en-US" dirty="0"/>
+              <a:t>“use an item” -&gt; What is the item doing?</a:t>
+            </a:r>
+          </a:p>
+          <a:p>
+            <a:pPr lvl="1"/>
+            <a:r>
+              <a:rPr lang="en-US" dirty="0"/>
+              <a:t>“shoot” -&gt; What does the weapon do?</a:t>
+            </a:r>
+          </a:p>
+          <a:p>
+            <a:r>
+              <a:rPr lang="en-US" dirty="0"/>
+              <a:t>Outcome oriented verbs</a:t>
+            </a:r>
+          </a:p>
+          <a:p>
+            <a:r>
+              <a:rPr lang="en-US" dirty="0"/>
+              <a:t>Ask if the goal helps the player reach the goal?</a:t>
+            </a:r>
+          </a:p>
+          <a:p>
+            <a:r>
+              <a:rPr lang="en-US" dirty="0"/>
+              <a:t>Does it overcome a challenge or obstacle?</a:t>
             </a:r>
           </a:p>
         </p:txBody>
@@ -4742,7 +4731,7 @@
     </p:spTree>
     <p:extLst>
       <p:ext uri="{BB962C8B-B14F-4D97-AF65-F5344CB8AC3E}">
-        <p14:creationId xmlns:p14="http://schemas.microsoft.com/office/powerpoint/2010/main" val="1841765842"/>
+        <p14:creationId xmlns:p14="http://schemas.microsoft.com/office/powerpoint/2010/main" val="1887824139"/>
       </p:ext>
     </p:extLst>
   </p:cSld>
@@ -4786,7 +4775,7 @@
           <a:p>
             <a:r>
               <a:rPr lang="en-US" dirty="0"/>
-              <a:t>Finding Good Verbs</a:t>
+              <a:t>Combining Actions</a:t>
             </a:r>
           </a:p>
         </p:txBody>
@@ -4808,45 +4797,38 @@
           <a:p>
             <a:r>
               <a:rPr lang="en-US" dirty="0"/>
-              <a:t>Keep number of verbs to minimum; utilize interesting interactions</a:t>
-            </a:r>
-          </a:p>
-          <a:p>
-            <a:r>
-              <a:rPr lang="en-US" dirty="0"/>
-              <a:t>Avoid verb proxies</a:t>
+              <a:t>Verbs can combine in interesting ways</a:t>
             </a:r>
           </a:p>
           <a:p>
             <a:pPr lvl="1"/>
             <a:r>
               <a:rPr lang="en-US" dirty="0"/>
-              <a:t>“use an item” -&gt; What is the item doing?</a:t>
+              <a:t>What verbs can you combine in Super Mario Bros?</a:t>
             </a:r>
           </a:p>
           <a:p>
             <a:pPr lvl="1"/>
             <a:r>
               <a:rPr lang="en-US" dirty="0"/>
-              <a:t>“shoot” -&gt; What does the weapon do?</a:t>
-            </a:r>
-          </a:p>
-          <a:p>
-            <a:r>
-              <a:rPr lang="en-US" dirty="0"/>
-              <a:t>Outcome oriented verbs</a:t>
-            </a:r>
-          </a:p>
-          <a:p>
-            <a:r>
-              <a:rPr lang="en-US" dirty="0"/>
-              <a:t>Ask if the goal helps the player reach the goal?</a:t>
-            </a:r>
-          </a:p>
-          <a:p>
-            <a:r>
-              <a:rPr lang="en-US" dirty="0"/>
-              <a:t>Does it overcome a challenge or obstacle?</a:t>
+              <a:t>How can a verb change based on the environment (interactions)?</a:t>
+            </a:r>
+          </a:p>
+          <a:p>
+            <a:r>
+              <a:rPr lang="en-US" dirty="0"/>
+              <a:t>This is called </a:t>
+            </a:r>
+            <a:r>
+              <a:rPr lang="en-US" i="1" dirty="0"/>
+              <a:t>emergent behavior</a:t>
+            </a:r>
+            <a:endParaRPr lang="en-US" dirty="0"/>
+          </a:p>
+          <a:p>
+            <a:r>
+              <a:rPr lang="en-US" dirty="0"/>
+              <a:t>NOTE: Not all combos are emergent – not all have to do with interactions with environment</a:t>
             </a:r>
           </a:p>
         </p:txBody>
@@ -4878,7 +4860,7 @@
     </p:spTree>
     <p:extLst>
       <p:ext uri="{BB962C8B-B14F-4D97-AF65-F5344CB8AC3E}">
-        <p14:creationId xmlns:p14="http://schemas.microsoft.com/office/powerpoint/2010/main" val="1887824139"/>
+        <p14:creationId xmlns:p14="http://schemas.microsoft.com/office/powerpoint/2010/main" val="3630476272"/>
       </p:ext>
     </p:extLst>
   </p:cSld>
@@ -4922,7 +4904,7 @@
           <a:p>
             <a:r>
               <a:rPr lang="en-US" dirty="0"/>
-              <a:t>Combining Actions</a:t>
+              <a:t>Interactions</a:t>
             </a:r>
           </a:p>
         </p:txBody>
@@ -4944,38 +4926,40 @@
           <a:p>
             <a:r>
               <a:rPr lang="en-US" dirty="0"/>
-              <a:t>Verbs can combine in interesting ways</a:t>
+              <a:t>Specifically NOT the direct action of a player</a:t>
             </a:r>
           </a:p>
           <a:p>
             <a:pPr lvl="1"/>
             <a:r>
               <a:rPr lang="en-US" dirty="0"/>
-              <a:t>What verbs can you combine in Super Mario Bros?</a:t>
+              <a:t>Outcome of the game state</a:t>
             </a:r>
           </a:p>
           <a:p>
             <a:pPr lvl="1"/>
             <a:r>
               <a:rPr lang="en-US" dirty="0"/>
-              <a:t>How can a verb change based on the environment (interactions)?</a:t>
-            </a:r>
-          </a:p>
-          <a:p>
-            <a:r>
-              <a:rPr lang="en-US" dirty="0"/>
-              <a:t>This is called </a:t>
-            </a:r>
-            <a:r>
-              <a:rPr lang="en-US" i="1" dirty="0"/>
-              <a:t>emergent behavior</a:t>
-            </a:r>
-            <a:endParaRPr lang="en-US" dirty="0"/>
-          </a:p>
-          <a:p>
-            <a:r>
-              <a:rPr lang="en-US" dirty="0"/>
-              <a:t>NOTE: Not all combos are emergent – not all have to do with interactions with environment</a:t>
+              <a:t>Can happen without player input</a:t>
+            </a:r>
+          </a:p>
+          <a:p>
+            <a:r>
+              <a:rPr lang="en-US" dirty="0"/>
+              <a:t>Example: Collisions</a:t>
+            </a:r>
+          </a:p>
+          <a:p>
+            <a:pPr lvl="1"/>
+            <a:r>
+              <a:rPr lang="en-US" dirty="0"/>
+              <a:t>Can happen by player movement OR can happen by game state changing</a:t>
+            </a:r>
+          </a:p>
+          <a:p>
+            <a:r>
+              <a:rPr lang="en-US" dirty="0"/>
+              <a:t>What are some other interactions?</a:t>
             </a:r>
           </a:p>
         </p:txBody>
@@ -5007,7 +4991,7 @@
     </p:spTree>
     <p:extLst>
       <p:ext uri="{BB962C8B-B14F-4D97-AF65-F5344CB8AC3E}">
-        <p14:creationId xmlns:p14="http://schemas.microsoft.com/office/powerpoint/2010/main" val="3630476272"/>
+        <p14:creationId xmlns:p14="http://schemas.microsoft.com/office/powerpoint/2010/main" val="3020638619"/>
       </p:ext>
     </p:extLst>
   </p:cSld>
@@ -5051,7 +5035,7 @@
           <a:p>
             <a:r>
               <a:rPr lang="en-US" dirty="0"/>
-              <a:t>Interactions</a:t>
+              <a:t>Interaction Example</a:t>
             </a:r>
           </a:p>
         </p:txBody>
@@ -5073,40 +5057,42 @@
           <a:p>
             <a:r>
               <a:rPr lang="en-US" dirty="0"/>
-              <a:t>Specifically NOT the direct action of a player</a:t>
+              <a:t>Beat Sneak Bandit</a:t>
             </a:r>
           </a:p>
           <a:p>
             <a:pPr lvl="1"/>
             <a:r>
               <a:rPr lang="en-US" dirty="0"/>
-              <a:t>Outcome of the game state</a:t>
+              <a:t>Verb: Move</a:t>
             </a:r>
           </a:p>
           <a:p>
             <a:pPr lvl="1"/>
             <a:r>
               <a:rPr lang="en-US" dirty="0"/>
-              <a:t>Can happen without player input</a:t>
-            </a:r>
-          </a:p>
-          <a:p>
-            <a:r>
-              <a:rPr lang="en-US" dirty="0"/>
-              <a:t>Example: Collisions</a:t>
+              <a:t>Rhythm game where you</a:t>
+            </a:r>
+            <a:br>
+              <a:rPr lang="en-US" dirty="0"/>
+            </a:br>
+            <a:r>
+              <a:rPr lang="en-US" dirty="0"/>
+              <a:t>move to the beat</a:t>
             </a:r>
           </a:p>
           <a:p>
             <a:pPr lvl="1"/>
             <a:r>
               <a:rPr lang="en-US" dirty="0"/>
-              <a:t>Can happen by player movement OR can happen by game state changing</a:t>
-            </a:r>
-          </a:p>
-          <a:p>
-            <a:r>
-              <a:rPr lang="en-US" dirty="0"/>
-              <a:t>What are some other interactions?</a:t>
+              <a:t>All movement is on rails</a:t>
+            </a:r>
+          </a:p>
+          <a:p>
+            <a:pPr lvl="1"/>
+            <a:r>
+              <a:rPr lang="en-US" dirty="0"/>
+              <a:t>Turns at obstacles</a:t>
             </a:r>
           </a:p>
         </p:txBody>
@@ -5130,139 +5116,6 @@
               <a:rPr lang="en-US" altLang="zh-CN" smtClean="0"/>
               <a:pPr/>
               <a:t>17</a:t>
-            </a:fld>
-            <a:endParaRPr lang="en-US" altLang="zh-CN"/>
-          </a:p>
-        </p:txBody>
-      </p:sp>
-    </p:spTree>
-    <p:extLst>
-      <p:ext uri="{BB962C8B-B14F-4D97-AF65-F5344CB8AC3E}">
-        <p14:creationId xmlns:p14="http://schemas.microsoft.com/office/powerpoint/2010/main" val="3020638619"/>
-      </p:ext>
-    </p:extLst>
-  </p:cSld>
-  <p:clrMapOvr>
-    <a:masterClrMapping/>
-  </p:clrMapOvr>
-</p:sld>
-</file>
-
-<file path=ppt/slides/slide18.xml><?xml version="1.0" encoding="utf-8"?>
-<p:sld xmlns:a="http://schemas.openxmlformats.org/drawingml/2006/main" xmlns:r="http://schemas.openxmlformats.org/officeDocument/2006/relationships" xmlns:p="http://schemas.openxmlformats.org/presentationml/2006/main">
-  <p:cSld>
-    <p:spTree>
-      <p:nvGrpSpPr>
-        <p:cNvPr id="1" name=""/>
-        <p:cNvGrpSpPr/>
-        <p:nvPr/>
-      </p:nvGrpSpPr>
-      <p:grpSpPr>
-        <a:xfrm>
-          <a:off x="0" y="0"/>
-          <a:ext cx="0" cy="0"/>
-          <a:chOff x="0" y="0"/>
-          <a:chExt cx="0" cy="0"/>
-        </a:xfrm>
-      </p:grpSpPr>
-      <p:sp>
-        <p:nvSpPr>
-          <p:cNvPr id="2" name="Title 1"/>
-          <p:cNvSpPr>
-            <a:spLocks noGrp="1"/>
-          </p:cNvSpPr>
-          <p:nvPr>
-            <p:ph type="title"/>
-          </p:nvPr>
-        </p:nvSpPr>
-        <p:spPr/>
-        <p:txBody>
-          <a:bodyPr/>
-          <a:lstStyle/>
-          <a:p>
-            <a:r>
-              <a:rPr lang="en-US" dirty="0"/>
-              <a:t>Interaction Example</a:t>
-            </a:r>
-          </a:p>
-        </p:txBody>
-      </p:sp>
-      <p:sp>
-        <p:nvSpPr>
-          <p:cNvPr id="3" name="Content Placeholder 2"/>
-          <p:cNvSpPr>
-            <a:spLocks noGrp="1"/>
-          </p:cNvSpPr>
-          <p:nvPr>
-            <p:ph idx="1"/>
-          </p:nvPr>
-        </p:nvSpPr>
-        <p:spPr/>
-        <p:txBody>
-          <a:bodyPr/>
-          <a:lstStyle/>
-          <a:p>
-            <a:r>
-              <a:rPr lang="en-US" dirty="0"/>
-              <a:t>Beat Sneak Bandit</a:t>
-            </a:r>
-          </a:p>
-          <a:p>
-            <a:pPr lvl="1"/>
-            <a:r>
-              <a:rPr lang="en-US" dirty="0"/>
-              <a:t>Verb: Move</a:t>
-            </a:r>
-          </a:p>
-          <a:p>
-            <a:pPr lvl="1"/>
-            <a:r>
-              <a:rPr lang="en-US" dirty="0"/>
-              <a:t>Rhythm game where you</a:t>
-            </a:r>
-            <a:br>
-              <a:rPr lang="en-US" dirty="0"/>
-            </a:br>
-            <a:r>
-              <a:rPr lang="en-US" dirty="0"/>
-              <a:t>move to the beat</a:t>
-            </a:r>
-          </a:p>
-          <a:p>
-            <a:pPr lvl="1"/>
-            <a:r>
-              <a:rPr lang="en-US" dirty="0"/>
-              <a:t>All movement is on rails</a:t>
-            </a:r>
-          </a:p>
-          <a:p>
-            <a:pPr lvl="1"/>
-            <a:r>
-              <a:rPr lang="en-US" dirty="0"/>
-              <a:t>Turns at obstacles</a:t>
-            </a:r>
-          </a:p>
-        </p:txBody>
-      </p:sp>
-      <p:sp>
-        <p:nvSpPr>
-          <p:cNvPr id="4" name="Footer Placeholder 3"/>
-          <p:cNvSpPr>
-            <a:spLocks noGrp="1"/>
-          </p:cNvSpPr>
-          <p:nvPr>
-            <p:ph type="ftr" sz="quarter" idx="10"/>
-          </p:nvPr>
-        </p:nvSpPr>
-        <p:spPr/>
-        <p:txBody>
-          <a:bodyPr/>
-          <a:lstStyle/>
-          <a:p>
-            <a:fld id="{D0357299-C40C-42AB-B0C0-2E6E0A5A7F61}" type="slidenum">
-              <a:rPr lang="en-US" altLang="zh-CN" smtClean="0"/>
-              <a:pPr/>
-              <a:t>18</a:t>
             </a:fld>
             <a:endParaRPr lang="en-US" altLang="zh-CN"/>
           </a:p>
@@ -5311,6 +5164,131 @@
 </p:sld>
 </file>
 
+<file path=ppt/slides/slide18.xml><?xml version="1.0" encoding="utf-8"?>
+<p:sld xmlns:a="http://schemas.openxmlformats.org/drawingml/2006/main" xmlns:r="http://schemas.openxmlformats.org/officeDocument/2006/relationships" xmlns:p="http://schemas.openxmlformats.org/presentationml/2006/main">
+  <p:cSld>
+    <p:spTree>
+      <p:nvGrpSpPr>
+        <p:cNvPr id="1" name=""/>
+        <p:cNvGrpSpPr/>
+        <p:nvPr/>
+      </p:nvGrpSpPr>
+      <p:grpSpPr>
+        <a:xfrm>
+          <a:off x="0" y="0"/>
+          <a:ext cx="0" cy="0"/>
+          <a:chOff x="0" y="0"/>
+          <a:chExt cx="0" cy="0"/>
+        </a:xfrm>
+      </p:grpSpPr>
+      <p:sp>
+        <p:nvSpPr>
+          <p:cNvPr id="2" name="Title 1"/>
+          <p:cNvSpPr>
+            <a:spLocks noGrp="1"/>
+          </p:cNvSpPr>
+          <p:nvPr>
+            <p:ph type="title"/>
+          </p:nvPr>
+        </p:nvSpPr>
+        <p:spPr/>
+        <p:txBody>
+          <a:bodyPr/>
+          <a:lstStyle/>
+          <a:p>
+            <a:r>
+              <a:rPr lang="en-US" dirty="0"/>
+              <a:t>Procedures vs. Rules</a:t>
+            </a:r>
+          </a:p>
+        </p:txBody>
+      </p:sp>
+      <p:sp>
+        <p:nvSpPr>
+          <p:cNvPr id="3" name="Content Placeholder 2"/>
+          <p:cNvSpPr>
+            <a:spLocks noGrp="1"/>
+          </p:cNvSpPr>
+          <p:nvPr>
+            <p:ph idx="1"/>
+          </p:nvPr>
+        </p:nvSpPr>
+        <p:spPr/>
+        <p:txBody>
+          <a:bodyPr/>
+          <a:lstStyle/>
+          <a:p>
+            <a:r>
+              <a:rPr lang="en-US" dirty="0"/>
+              <a:t>Rules are formal schemas</a:t>
+            </a:r>
+          </a:p>
+          <a:p>
+            <a:r>
+              <a:rPr lang="en-US" dirty="0"/>
+              <a:t>In general, we have three types of rules</a:t>
+            </a:r>
+          </a:p>
+          <a:p>
+            <a:pPr lvl="1"/>
+            <a:r>
+              <a:rPr lang="en-US" dirty="0"/>
+              <a:t>Operational - the “English” rules of a game as the player understands them</a:t>
+            </a:r>
+          </a:p>
+          <a:p>
+            <a:pPr lvl="1"/>
+            <a:r>
+              <a:rPr lang="en-US" dirty="0"/>
+              <a:t>Constitutive - the underlying math and logic behind the operational rules</a:t>
+            </a:r>
+          </a:p>
+          <a:p>
+            <a:pPr lvl="1"/>
+            <a:r>
+              <a:rPr lang="en-US" dirty="0"/>
+              <a:t>Implicit - extra rules understood by the players to make the game move forward</a:t>
+            </a:r>
+          </a:p>
+        </p:txBody>
+      </p:sp>
+      <p:sp>
+        <p:nvSpPr>
+          <p:cNvPr id="4" name="Footer Placeholder 3"/>
+          <p:cNvSpPr>
+            <a:spLocks noGrp="1"/>
+          </p:cNvSpPr>
+          <p:nvPr>
+            <p:ph type="ftr" sz="quarter" idx="10"/>
+          </p:nvPr>
+        </p:nvSpPr>
+        <p:spPr/>
+        <p:txBody>
+          <a:bodyPr/>
+          <a:lstStyle/>
+          <a:p>
+            <a:fld id="{D0357299-C40C-42AB-B0C0-2E6E0A5A7F61}" type="slidenum">
+              <a:rPr lang="en-US" altLang="zh-CN" smtClean="0"/>
+              <a:pPr/>
+              <a:t>18</a:t>
+            </a:fld>
+            <a:endParaRPr lang="en-US" altLang="zh-CN"/>
+          </a:p>
+        </p:txBody>
+      </p:sp>
+    </p:spTree>
+    <p:extLst>
+      <p:ext uri="{BB962C8B-B14F-4D97-AF65-F5344CB8AC3E}">
+        <p14:creationId xmlns:p14="http://schemas.microsoft.com/office/powerpoint/2010/main" val="288589087"/>
+      </p:ext>
+    </p:extLst>
+  </p:cSld>
+  <p:clrMapOvr>
+    <a:masterClrMapping/>
+  </p:clrMapOvr>
+</p:sld>
+</file>
+
 <file path=ppt/slides/slide19.xml><?xml version="1.0" encoding="utf-8"?>
 <p:sld xmlns:a="http://schemas.openxmlformats.org/drawingml/2006/main" xmlns:r="http://schemas.openxmlformats.org/officeDocument/2006/relationships" xmlns:p="http://schemas.openxmlformats.org/presentationml/2006/main">
   <p:cSld>
@@ -5345,7 +5323,7 @@
           <a:p>
             <a:r>
               <a:rPr lang="en-US" dirty="0"/>
-              <a:t>Procedures vs. Rules</a:t>
+              <a:t>Operational Rules</a:t>
             </a:r>
           </a:p>
         </p:txBody>
@@ -5367,34 +5345,27 @@
           <a:p>
             <a:r>
               <a:rPr lang="en-US" dirty="0"/>
-              <a:t>Rules are formal schemas</a:t>
-            </a:r>
-          </a:p>
-          <a:p>
-            <a:r>
-              <a:rPr lang="en-US" dirty="0"/>
-              <a:t>In general, we have three types of rules</a:t>
-            </a:r>
-          </a:p>
-          <a:p>
-            <a:pPr lvl="1"/>
-            <a:r>
-              <a:rPr lang="en-US" dirty="0"/>
-              <a:t>Operational - the “English” rules of a game as the player understands them</a:t>
-            </a:r>
-          </a:p>
-          <a:p>
-            <a:pPr lvl="1"/>
-            <a:r>
-              <a:rPr lang="en-US" dirty="0"/>
-              <a:t>Constitutive - the underlying math and logic behind the operational rules</a:t>
-            </a:r>
-          </a:p>
-          <a:p>
-            <a:pPr lvl="1"/>
-            <a:r>
-              <a:rPr lang="en-US" dirty="0"/>
-              <a:t>Implicit - extra rules understood by the players to make the game move forward</a:t>
+              <a:t>The rules of the game as if you were explaining them to a friend</a:t>
+            </a:r>
+          </a:p>
+          <a:p>
+            <a:r>
+              <a:rPr lang="en-US" dirty="0"/>
+              <a:t>“In Mario, you can run and jump and land on top of </a:t>
+            </a:r>
+            <a:r>
+              <a:rPr lang="en-US" dirty="0" err="1"/>
+              <a:t>goombas</a:t>
+            </a:r>
+            <a:r>
+              <a:rPr lang="en-US" dirty="0"/>
+              <a:t> and they die!”</a:t>
+            </a:r>
+          </a:p>
+          <a:p>
+            <a:r>
+              <a:rPr lang="en-US" dirty="0"/>
+              <a:t>Consider this the instruction book approach to rules – highest level of abstraction</a:t>
             </a:r>
           </a:p>
         </p:txBody>
@@ -5426,7 +5397,7 @@
     </p:spTree>
     <p:extLst>
       <p:ext uri="{BB962C8B-B14F-4D97-AF65-F5344CB8AC3E}">
-        <p14:creationId xmlns:p14="http://schemas.microsoft.com/office/powerpoint/2010/main" val="288589087"/>
+        <p14:creationId xmlns:p14="http://schemas.microsoft.com/office/powerpoint/2010/main" val="21758483"/>
       </p:ext>
     </p:extLst>
   </p:cSld>
@@ -5574,7 +5545,7 @@
           <a:p>
             <a:r>
               <a:rPr lang="en-US" dirty="0"/>
-              <a:t>Operational Rules</a:t>
+              <a:t>Constitutive Rules</a:t>
             </a:r>
           </a:p>
         </p:txBody>
@@ -5596,27 +5567,43 @@
           <a:p>
             <a:r>
               <a:rPr lang="en-US" dirty="0"/>
-              <a:t>The rules of the game as if you were explaining them to a friend</a:t>
-            </a:r>
-          </a:p>
-          <a:p>
-            <a:r>
-              <a:rPr lang="en-US" dirty="0"/>
-              <a:t>“In Mario, you can run and jump and land on top of </a:t>
+              <a:t>The operational rules as understood by the game system itself</a:t>
+            </a:r>
+          </a:p>
+          <a:p>
+            <a:r>
+              <a:rPr lang="en-US" dirty="0"/>
+              <a:t>A </a:t>
             </a:r>
             <a:r>
               <a:rPr lang="en-US" dirty="0" err="1"/>
-              <a:t>goombas</a:t>
-            </a:r>
-            <a:r>
-              <a:rPr lang="en-US" dirty="0"/>
-              <a:t> and they die!”</a:t>
-            </a:r>
-          </a:p>
-          <a:p>
-            <a:r>
-              <a:rPr lang="en-US" dirty="0"/>
-              <a:t>Consider this the instruction book approach to rules – highest level of abstraction</a:t>
+              <a:t>goomba</a:t>
+            </a:r>
+            <a:r>
+              <a:rPr lang="en-US" dirty="0"/>
+              <a:t> dies </a:t>
+            </a:r>
+            <a:r>
+              <a:rPr lang="en-US" dirty="0" err="1"/>
+              <a:t>iff</a:t>
+            </a:r>
+            <a:r>
+              <a:rPr lang="en-US" dirty="0"/>
+              <a:t> the bottom of Mario’s sprite collides with the top of the </a:t>
+            </a:r>
+            <a:r>
+              <a:rPr lang="en-US" dirty="0" err="1"/>
+              <a:t>goomba’s</a:t>
+            </a:r>
+            <a:r>
+              <a:rPr lang="en-US" dirty="0"/>
+              <a:t> sprite</a:t>
+            </a:r>
+          </a:p>
+          <a:p>
+            <a:r>
+              <a:rPr lang="en-US" dirty="0"/>
+              <a:t>This is how the game is actually programmed</a:t>
             </a:r>
           </a:p>
         </p:txBody>
@@ -5648,7 +5635,7 @@
     </p:spTree>
     <p:extLst>
       <p:ext uri="{BB962C8B-B14F-4D97-AF65-F5344CB8AC3E}">
-        <p14:creationId xmlns:p14="http://schemas.microsoft.com/office/powerpoint/2010/main" val="21758483"/>
+        <p14:creationId xmlns:p14="http://schemas.microsoft.com/office/powerpoint/2010/main" val="836717341"/>
       </p:ext>
     </p:extLst>
   </p:cSld>
@@ -5692,7 +5679,7 @@
           <a:p>
             <a:r>
               <a:rPr lang="en-US" dirty="0"/>
-              <a:t>Constitutive Rules</a:t>
+              <a:t>Implicit Rules</a:t>
             </a:r>
           </a:p>
         </p:txBody>
@@ -5714,43 +5701,13 @@
           <a:p>
             <a:r>
               <a:rPr lang="en-US" dirty="0"/>
-              <a:t>The operational rules as understood by the game system itself</a:t>
-            </a:r>
-          </a:p>
-          <a:p>
-            <a:r>
-              <a:rPr lang="en-US" dirty="0"/>
-              <a:t>A </a:t>
-            </a:r>
-            <a:r>
-              <a:rPr lang="en-US" dirty="0" err="1"/>
-              <a:t>goomba</a:t>
-            </a:r>
-            <a:r>
-              <a:rPr lang="en-US" dirty="0"/>
-              <a:t> dies </a:t>
-            </a:r>
-            <a:r>
-              <a:rPr lang="en-US" dirty="0" err="1"/>
-              <a:t>iff</a:t>
-            </a:r>
-            <a:r>
-              <a:rPr lang="en-US" dirty="0"/>
-              <a:t> the bottom of Mario’s sprite collides with the top of the </a:t>
-            </a:r>
-            <a:r>
-              <a:rPr lang="en-US" dirty="0" err="1"/>
-              <a:t>goomba’s</a:t>
-            </a:r>
-            <a:r>
-              <a:rPr lang="en-US" dirty="0"/>
-              <a:t> sprite</a:t>
-            </a:r>
-          </a:p>
-          <a:p>
-            <a:r>
-              <a:rPr lang="en-US" dirty="0"/>
-              <a:t>This is how the game is actually programmed</a:t>
+              <a:t>Agreed upon rules of a game that are not part of the formal rule set, but are important to make the game work</a:t>
+            </a:r>
+          </a:p>
+          <a:p>
+            <a:r>
+              <a:rPr lang="en-US" dirty="0"/>
+              <a:t>For instance, a time limit on a move on a board game – not an actual time limit, but you know when someone is taking too long</a:t>
             </a:r>
           </a:p>
         </p:txBody>
@@ -5782,7 +5739,7 @@
     </p:spTree>
     <p:extLst>
       <p:ext uri="{BB962C8B-B14F-4D97-AF65-F5344CB8AC3E}">
-        <p14:creationId xmlns:p14="http://schemas.microsoft.com/office/powerpoint/2010/main" val="836717341"/>
+        <p14:creationId xmlns:p14="http://schemas.microsoft.com/office/powerpoint/2010/main" val="1133988539"/>
       </p:ext>
     </p:extLst>
   </p:cSld>
@@ -5826,7 +5783,7 @@
           <a:p>
             <a:r>
               <a:rPr lang="en-US" dirty="0"/>
-              <a:t>Implicit Rules</a:t>
+              <a:t>Designing Good Rules</a:t>
             </a:r>
           </a:p>
         </p:txBody>
@@ -5848,13 +5805,53 @@
           <a:p>
             <a:r>
               <a:rPr lang="en-US" dirty="0"/>
-              <a:t>Agreed upon rules of a game that are not part of the formal rule set, but are important to make the game work</a:t>
-            </a:r>
-          </a:p>
-          <a:p>
-            <a:r>
-              <a:rPr lang="en-US" dirty="0"/>
-              <a:t>For instance, a time limit on a move on a board game – not an actual time limit, but you know when someone is taking too long</a:t>
+              <a:t>Should lead players to </a:t>
+            </a:r>
+            <a:r>
+              <a:rPr lang="en-US" i="1" dirty="0"/>
+              <a:t>interesting choices</a:t>
+            </a:r>
+            <a:endParaRPr lang="en-US" dirty="0"/>
+          </a:p>
+          <a:p>
+            <a:pPr lvl="1"/>
+            <a:r>
+              <a:rPr lang="en-US" dirty="0"/>
+              <a:t>Player MUST be able to make some decisions!</a:t>
+            </a:r>
+          </a:p>
+          <a:p>
+            <a:pPr lvl="1"/>
+            <a:r>
+              <a:rPr lang="en-US" dirty="0"/>
+              <a:t>System MUST respond and give feedback!</a:t>
+            </a:r>
+          </a:p>
+          <a:p>
+            <a:r>
+              <a:rPr lang="en-US" dirty="0"/>
+              <a:t>Bad rules</a:t>
+            </a:r>
+          </a:p>
+          <a:p>
+            <a:pPr lvl="1"/>
+            <a:r>
+              <a:rPr lang="en-US" dirty="0"/>
+              <a:t>Pure luck based</a:t>
+            </a:r>
+          </a:p>
+          <a:p>
+            <a:pPr lvl="1"/>
+            <a:r>
+              <a:rPr lang="en-US" dirty="0"/>
+              <a:t>Lack of interaction</a:t>
+            </a:r>
+          </a:p>
+          <a:p>
+            <a:pPr lvl="1"/>
+            <a:r>
+              <a:rPr lang="en-US" dirty="0"/>
+              <a:t>Doesn’t relate to goal</a:t>
             </a:r>
           </a:p>
         </p:txBody>
@@ -5886,7 +5883,7 @@
     </p:spTree>
     <p:extLst>
       <p:ext uri="{BB962C8B-B14F-4D97-AF65-F5344CB8AC3E}">
-        <p14:creationId xmlns:p14="http://schemas.microsoft.com/office/powerpoint/2010/main" val="1133988539"/>
+        <p14:creationId xmlns:p14="http://schemas.microsoft.com/office/powerpoint/2010/main" val="733404315"/>
       </p:ext>
     </p:extLst>
   </p:cSld>
@@ -5930,7 +5927,7 @@
           <a:p>
             <a:r>
               <a:rPr lang="en-US" dirty="0"/>
-              <a:t>Designing Good Rules</a:t>
+              <a:t>Mechanics vs. Rules</a:t>
             </a:r>
           </a:p>
         </p:txBody>
@@ -5952,53 +5949,19 @@
           <a:p>
             <a:r>
               <a:rPr lang="en-US" dirty="0"/>
-              <a:t>Should lead players to </a:t>
-            </a:r>
-            <a:r>
-              <a:rPr lang="en-US" i="1" dirty="0"/>
-              <a:t>interesting choices</a:t>
-            </a:r>
-            <a:endParaRPr lang="en-US" dirty="0"/>
-          </a:p>
-          <a:p>
-            <a:pPr lvl="1"/>
-            <a:r>
-              <a:rPr lang="en-US" dirty="0"/>
-              <a:t>Player MUST be able to make some decisions!</a:t>
-            </a:r>
-          </a:p>
-          <a:p>
-            <a:pPr lvl="1"/>
-            <a:r>
-              <a:rPr lang="en-US" dirty="0"/>
-              <a:t>System MUST respond and give feedback!</a:t>
-            </a:r>
-          </a:p>
-          <a:p>
-            <a:r>
-              <a:rPr lang="en-US" dirty="0"/>
-              <a:t>Bad rules</a:t>
-            </a:r>
-          </a:p>
-          <a:p>
-            <a:pPr lvl="1"/>
-            <a:r>
-              <a:rPr lang="en-US" dirty="0"/>
-              <a:t>Pure luck based</a:t>
-            </a:r>
-          </a:p>
-          <a:p>
-            <a:pPr lvl="1"/>
-            <a:r>
-              <a:rPr lang="en-US" dirty="0"/>
-              <a:t>Lack of interaction</a:t>
-            </a:r>
-          </a:p>
-          <a:p>
-            <a:pPr lvl="1"/>
-            <a:r>
-              <a:rPr lang="en-US" dirty="0"/>
-              <a:t>Doesn’t relate to goal</a:t>
+              <a:t>Mechanics are created by game designers in the framework of rules</a:t>
+            </a:r>
+          </a:p>
+          <a:p>
+            <a:r>
+              <a:rPr lang="en-US" dirty="0"/>
+              <a:t>Dynamics are created by players as interpretations of mechanics within the rules</a:t>
+            </a:r>
+          </a:p>
+          <a:p>
+            <a:r>
+              <a:rPr lang="en-US" dirty="0"/>
+              <a:t>Rules are the formal implementation of the game world</a:t>
             </a:r>
           </a:p>
         </p:txBody>
@@ -6030,7 +5993,7 @@
     </p:spTree>
     <p:extLst>
       <p:ext uri="{BB962C8B-B14F-4D97-AF65-F5344CB8AC3E}">
-        <p14:creationId xmlns:p14="http://schemas.microsoft.com/office/powerpoint/2010/main" val="733404315"/>
+        <p14:creationId xmlns:p14="http://schemas.microsoft.com/office/powerpoint/2010/main" val="1470076993"/>
       </p:ext>
     </p:extLst>
   </p:cSld>
@@ -6074,7 +6037,7 @@
           <a:p>
             <a:r>
               <a:rPr lang="en-US" dirty="0"/>
-              <a:t>Mechanics vs. Rules</a:t>
+              <a:t>Formalizing Everything</a:t>
             </a:r>
           </a:p>
         </p:txBody>
@@ -6096,19 +6059,33 @@
           <a:p>
             <a:r>
               <a:rPr lang="en-US" dirty="0"/>
-              <a:t>Mechanics are created by game designers in the framework of rules</a:t>
-            </a:r>
-          </a:p>
-          <a:p>
-            <a:r>
-              <a:rPr lang="en-US" dirty="0"/>
-              <a:t>Dynamics are created by players as interpretations of mechanics within the rules</a:t>
-            </a:r>
-          </a:p>
-          <a:p>
-            <a:r>
-              <a:rPr lang="en-US" dirty="0"/>
-              <a:t>Rules are the formal implementation of the game world</a:t>
+              <a:t>The </a:t>
+            </a:r>
+            <a:r>
+              <a:rPr lang="en-US" i="1" dirty="0"/>
+              <a:t>game state</a:t>
+            </a:r>
+            <a:r>
+              <a:rPr lang="en-US" dirty="0"/>
+              <a:t> is the current positioning/value of all entities in the game world</a:t>
+            </a:r>
+          </a:p>
+          <a:p>
+            <a:r>
+              <a:rPr lang="en-US" dirty="0"/>
+              <a:t>Actions a player takes is input into the current game state</a:t>
+            </a:r>
+          </a:p>
+          <a:p>
+            <a:r>
+              <a:rPr lang="en-US" dirty="0"/>
+              <a:t>An interaction is a function between game states as determined by the actions (of both player and world) in generating a new game state</a:t>
+            </a:r>
+          </a:p>
+          <a:p>
+            <a:r>
+              <a:rPr lang="en-US" dirty="0"/>
+              <a:t>The Game Loop</a:t>
             </a:r>
           </a:p>
         </p:txBody>
@@ -6132,130 +6109,6 @@
               <a:rPr lang="en-US" altLang="zh-CN" smtClean="0"/>
               <a:pPr/>
               <a:t>24</a:t>
-            </a:fld>
-            <a:endParaRPr lang="en-US" altLang="zh-CN"/>
-          </a:p>
-        </p:txBody>
-      </p:sp>
-    </p:spTree>
-    <p:extLst>
-      <p:ext uri="{BB962C8B-B14F-4D97-AF65-F5344CB8AC3E}">
-        <p14:creationId xmlns:p14="http://schemas.microsoft.com/office/powerpoint/2010/main" val="1470076993"/>
-      </p:ext>
-    </p:extLst>
-  </p:cSld>
-  <p:clrMapOvr>
-    <a:masterClrMapping/>
-  </p:clrMapOvr>
-</p:sld>
-</file>
-
-<file path=ppt/slides/slide25.xml><?xml version="1.0" encoding="utf-8"?>
-<p:sld xmlns:a="http://schemas.openxmlformats.org/drawingml/2006/main" xmlns:r="http://schemas.openxmlformats.org/officeDocument/2006/relationships" xmlns:p="http://schemas.openxmlformats.org/presentationml/2006/main">
-  <p:cSld>
-    <p:spTree>
-      <p:nvGrpSpPr>
-        <p:cNvPr id="1" name=""/>
-        <p:cNvGrpSpPr/>
-        <p:nvPr/>
-      </p:nvGrpSpPr>
-      <p:grpSpPr>
-        <a:xfrm>
-          <a:off x="0" y="0"/>
-          <a:ext cx="0" cy="0"/>
-          <a:chOff x="0" y="0"/>
-          <a:chExt cx="0" cy="0"/>
-        </a:xfrm>
-      </p:grpSpPr>
-      <p:sp>
-        <p:nvSpPr>
-          <p:cNvPr id="2" name="Title 1"/>
-          <p:cNvSpPr>
-            <a:spLocks noGrp="1"/>
-          </p:cNvSpPr>
-          <p:nvPr>
-            <p:ph type="title"/>
-          </p:nvPr>
-        </p:nvSpPr>
-        <p:spPr/>
-        <p:txBody>
-          <a:bodyPr/>
-          <a:lstStyle/>
-          <a:p>
-            <a:r>
-              <a:rPr lang="en-US" dirty="0"/>
-              <a:t>Formalizing Everything</a:t>
-            </a:r>
-          </a:p>
-        </p:txBody>
-      </p:sp>
-      <p:sp>
-        <p:nvSpPr>
-          <p:cNvPr id="3" name="Content Placeholder 2"/>
-          <p:cNvSpPr>
-            <a:spLocks noGrp="1"/>
-          </p:cNvSpPr>
-          <p:nvPr>
-            <p:ph idx="1"/>
-          </p:nvPr>
-        </p:nvSpPr>
-        <p:spPr/>
-        <p:txBody>
-          <a:bodyPr/>
-          <a:lstStyle/>
-          <a:p>
-            <a:r>
-              <a:rPr lang="en-US" dirty="0"/>
-              <a:t>The </a:t>
-            </a:r>
-            <a:r>
-              <a:rPr lang="en-US" i="1" dirty="0"/>
-              <a:t>game state</a:t>
-            </a:r>
-            <a:r>
-              <a:rPr lang="en-US" dirty="0"/>
-              <a:t> is the current positioning/value of all entities in the game world</a:t>
-            </a:r>
-          </a:p>
-          <a:p>
-            <a:r>
-              <a:rPr lang="en-US" dirty="0"/>
-              <a:t>Actions a player takes is input into the current game state</a:t>
-            </a:r>
-          </a:p>
-          <a:p>
-            <a:r>
-              <a:rPr lang="en-US" dirty="0"/>
-              <a:t>An interaction is a function between game states as determined by the actions (of both player and world) in generating a new game state</a:t>
-            </a:r>
-          </a:p>
-          <a:p>
-            <a:r>
-              <a:rPr lang="en-US" dirty="0"/>
-              <a:t>The Game Loop</a:t>
-            </a:r>
-          </a:p>
-        </p:txBody>
-      </p:sp>
-      <p:sp>
-        <p:nvSpPr>
-          <p:cNvPr id="4" name="Footer Placeholder 3"/>
-          <p:cNvSpPr>
-            <a:spLocks noGrp="1"/>
-          </p:cNvSpPr>
-          <p:nvPr>
-            <p:ph type="ftr" sz="quarter" idx="10"/>
-          </p:nvPr>
-        </p:nvSpPr>
-        <p:spPr/>
-        <p:txBody>
-          <a:bodyPr/>
-          <a:lstStyle/>
-          <a:p>
-            <a:fld id="{D0357299-C40C-42AB-B0C0-2E6E0A5A7F61}" type="slidenum">
-              <a:rPr lang="en-US" altLang="zh-CN" smtClean="0"/>
-              <a:pPr/>
-              <a:t>25</a:t>
             </a:fld>
             <a:endParaRPr lang="en-US" altLang="zh-CN"/>
           </a:p>
@@ -6877,7 +6730,7 @@
           <a:p>
             <a:r>
               <a:rPr lang="en-US" dirty="0"/>
-              <a:t>Game Mechanic</a:t>
+              <a:t>Let’s Create Some Actions!</a:t>
             </a:r>
           </a:p>
         </p:txBody>
@@ -6898,49 +6751,20 @@
           <a:lstStyle/>
           <a:p>
             <a:r>
-              <a:rPr lang="en-US" sz="2800" dirty="0"/>
-              <a:t>A </a:t>
-            </a:r>
-            <a:r>
-              <a:rPr lang="en-US" sz="2800" i="1" dirty="0"/>
-              <a:t>game mechanic</a:t>
-            </a:r>
-            <a:r>
-              <a:rPr lang="en-US" sz="2800" dirty="0"/>
-              <a:t> is the relationship and combination of any number of actions and interactions.</a:t>
-            </a:r>
-          </a:p>
-          <a:p>
-            <a:r>
-              <a:rPr lang="en-US" sz="2800" dirty="0"/>
-              <a:t>Each relationship/combination could be considered a separate rule in the game world.</a:t>
-            </a:r>
-          </a:p>
-          <a:p>
-            <a:r>
-              <a:rPr lang="en-US" sz="2800" dirty="0"/>
-              <a:t>Example: Super Mario Bros.</a:t>
-            </a:r>
-          </a:p>
-          <a:p>
-            <a:pPr lvl="1"/>
-            <a:r>
-              <a:rPr lang="en-US" sz="2400" dirty="0"/>
-              <a:t>Actions: Run left and right; jump</a:t>
-            </a:r>
-          </a:p>
-          <a:p>
-            <a:pPr lvl="1"/>
-            <a:r>
-              <a:rPr lang="en-US" sz="2400" dirty="0"/>
-              <a:t>Interaction: Collision with opponent</a:t>
-            </a:r>
-          </a:p>
-          <a:p>
-            <a:pPr lvl="1"/>
-            <a:r>
-              <a:rPr lang="en-US" sz="2400" dirty="0"/>
-              <a:t>Rule: If collision is on top of enemy, enemy changes state according to its rule set; otherwise take damage according to rule set</a:t>
+              <a:rPr lang="en-US" dirty="0"/>
+              <a:t>Verbs that describe what the player can do</a:t>
+            </a:r>
+          </a:p>
+          <a:p>
+            <a:r>
+              <a:rPr lang="en-US" dirty="0"/>
+              <a:t>Does not have to be attached to an avatar!</a:t>
+            </a:r>
+          </a:p>
+          <a:p>
+            <a:r>
+              <a:rPr lang="en-US" dirty="0"/>
+              <a:t>Let’s play!</a:t>
             </a:r>
           </a:p>
         </p:txBody>
@@ -6972,7 +6796,7 @@
     </p:spTree>
     <p:extLst>
       <p:ext uri="{BB962C8B-B14F-4D97-AF65-F5344CB8AC3E}">
-        <p14:creationId xmlns:p14="http://schemas.microsoft.com/office/powerpoint/2010/main" val="296018082"/>
+        <p14:creationId xmlns:p14="http://schemas.microsoft.com/office/powerpoint/2010/main" val="3120859288"/>
       </p:ext>
     </p:extLst>
   </p:cSld>
@@ -7016,7 +6840,7 @@
           <a:p>
             <a:r>
               <a:rPr lang="en-US" dirty="0"/>
-              <a:t>Let’s Create Some Actions!</a:t>
+              <a:t>Designing Actions</a:t>
             </a:r>
           </a:p>
         </p:txBody>
@@ -7038,19 +6862,55 @@
           <a:p>
             <a:r>
               <a:rPr lang="en-US" dirty="0"/>
-              <a:t>Verbs that describe what the player can do</a:t>
-            </a:r>
-          </a:p>
-          <a:p>
-            <a:r>
-              <a:rPr lang="en-US" dirty="0"/>
-              <a:t>Does not have to be attached to an avatar!</a:t>
-            </a:r>
-          </a:p>
-          <a:p>
-            <a:r>
-              <a:rPr lang="en-US" dirty="0"/>
-              <a:t>Let’s play!</a:t>
+              <a:t>Start by brainstorming verbs that make sense in the world you are building</a:t>
+            </a:r>
+          </a:p>
+          <a:p>
+            <a:pPr lvl="1"/>
+            <a:r>
+              <a:rPr lang="en-US" dirty="0"/>
+              <a:t>Define the types of verbs</a:t>
+            </a:r>
+          </a:p>
+          <a:p>
+            <a:pPr lvl="1"/>
+            <a:r>
+              <a:rPr lang="en-US" dirty="0"/>
+              <a:t>Define the scope of the verbs</a:t>
+            </a:r>
+          </a:p>
+          <a:p>
+            <a:r>
+              <a:rPr lang="en-US" dirty="0"/>
+              <a:t>Do the verbs </a:t>
+            </a:r>
+            <a:r>
+              <a:rPr lang="en-US" i="1" dirty="0"/>
+              <a:t>directly</a:t>
+            </a:r>
+            <a:r>
+              <a:rPr lang="en-US" dirty="0"/>
+              <a:t> help the player achieve the goal?</a:t>
+            </a:r>
+          </a:p>
+          <a:p>
+            <a:r>
+              <a:rPr lang="en-US" dirty="0"/>
+              <a:t>How many verbs do I need?</a:t>
+            </a:r>
+          </a:p>
+          <a:p>
+            <a:pPr lvl="1"/>
+            <a:r>
+              <a:rPr lang="en-US" dirty="0"/>
+              <a:t>Well, enough to avoid being too simple</a:t>
+            </a:r>
+          </a:p>
+          <a:p>
+            <a:pPr lvl="1"/>
+            <a:r>
+              <a:rPr lang="en-US" dirty="0"/>
+              <a:t>And…</a:t>
             </a:r>
           </a:p>
         </p:txBody>
@@ -7082,7 +6942,7 @@
     </p:spTree>
     <p:extLst>
       <p:ext uri="{BB962C8B-B14F-4D97-AF65-F5344CB8AC3E}">
-        <p14:creationId xmlns:p14="http://schemas.microsoft.com/office/powerpoint/2010/main" val="3120859288"/>
+        <p14:creationId xmlns:p14="http://schemas.microsoft.com/office/powerpoint/2010/main" val="3469709803"/>
       </p:ext>
     </p:extLst>
   </p:cSld>
